--- a/Presentatie.pptx
+++ b/Presentatie.pptx
@@ -409,7 +409,7 @@
               <a:pPr>
                 <a:defRPr/>
               </a:pPr>
-              <a:t>17-11-2016</a:t>
+              <a:t>20-11-2016</a:t>
             </a:fld>
             <a:endParaRPr lang="nl-NL"/>
           </a:p>
@@ -606,7 +606,7 @@
               <a:pPr>
                 <a:defRPr/>
               </a:pPr>
-              <a:t>17-11-2016</a:t>
+              <a:t>20-11-2016</a:t>
             </a:fld>
             <a:endParaRPr lang="nl-NL"/>
           </a:p>
@@ -808,7 +808,7 @@
               <a:pPr>
                 <a:defRPr/>
               </a:pPr>
-              <a:t>17-11-2016</a:t>
+              <a:t>20-11-2016</a:t>
             </a:fld>
             <a:endParaRPr lang="nl-NL"/>
           </a:p>
@@ -1000,7 +1000,7 @@
               <a:pPr>
                 <a:defRPr/>
               </a:pPr>
-              <a:t>17-11-2016</a:t>
+              <a:t>20-11-2016</a:t>
             </a:fld>
             <a:endParaRPr lang="nl-NL"/>
           </a:p>
@@ -1332,7 +1332,7 @@
               <a:pPr>
                 <a:defRPr/>
               </a:pPr>
-              <a:t>17-11-2016</a:t>
+              <a:t>20-11-2016</a:t>
             </a:fld>
             <a:endParaRPr lang="nl-NL"/>
           </a:p>
@@ -1586,7 +1586,7 @@
               <a:pPr>
                 <a:defRPr/>
               </a:pPr>
-              <a:t>17-11-2016</a:t>
+              <a:t>20-11-2016</a:t>
             </a:fld>
             <a:endParaRPr lang="nl-NL"/>
           </a:p>
@@ -2126,7 +2126,7 @@
               <a:pPr>
                 <a:defRPr/>
               </a:pPr>
-              <a:t>17-11-2016</a:t>
+              <a:t>20-11-2016</a:t>
             </a:fld>
             <a:endParaRPr lang="nl-NL"/>
           </a:p>
@@ -2266,7 +2266,7 @@
               <a:pPr>
                 <a:defRPr/>
               </a:pPr>
-              <a:t>17-11-2016</a:t>
+              <a:t>20-11-2016</a:t>
             </a:fld>
             <a:endParaRPr lang="nl-NL"/>
           </a:p>
@@ -2383,7 +2383,7 @@
               <a:pPr>
                 <a:defRPr/>
               </a:pPr>
-              <a:t>17-11-2016</a:t>
+              <a:t>20-11-2016</a:t>
             </a:fld>
             <a:endParaRPr lang="nl-NL"/>
           </a:p>
@@ -2721,7 +2721,7 @@
               <a:pPr>
                 <a:defRPr/>
               </a:pPr>
-              <a:t>17-11-2016</a:t>
+              <a:t>20-11-2016</a:t>
             </a:fld>
             <a:endParaRPr lang="nl-NL"/>
           </a:p>
@@ -3047,7 +3047,7 @@
               <a:pPr>
                 <a:defRPr/>
               </a:pPr>
-              <a:t>17-11-2016</a:t>
+              <a:t>20-11-2016</a:t>
             </a:fld>
             <a:endParaRPr lang="nl-NL"/>
           </a:p>
@@ -3574,7 +3574,7 @@
               <a:pPr>
                 <a:defRPr/>
               </a:pPr>
-              <a:t>17-11-2016</a:t>
+              <a:t>20-11-2016</a:t>
             </a:fld>
             <a:endParaRPr lang="nl-NL"/>
           </a:p>
@@ -6061,6 +6061,114 @@
           <a:chExt cx="0" cy="0"/>
         </a:xfrm>
       </p:grpSpPr>
+      <p:pic>
+        <p:nvPicPr>
+          <p:cNvPr id="23563" name="Afbeelding 30" descr="Schermopname"/>
+          <p:cNvPicPr>
+            <a:picLocks noChangeAspect="1"/>
+          </p:cNvPicPr>
+          <p:nvPr/>
+        </p:nvPicPr>
+        <p:blipFill>
+          <a:blip r:embed="rId2">
+            <a:extLst>
+              <a:ext uri="{28A0092B-C50C-407E-A947-70E740481C1C}">
+                <a14:useLocalDpi xmlns:a14="http://schemas.microsoft.com/office/drawing/2010/main" val="0"/>
+              </a:ext>
+            </a:extLst>
+          </a:blip>
+          <a:srcRect/>
+          <a:stretch>
+            <a:fillRect/>
+          </a:stretch>
+        </p:blipFill>
+        <p:spPr bwMode="auto">
+          <a:xfrm>
+            <a:off x="172773" y="5063510"/>
+            <a:ext cx="5907087" cy="1752600"/>
+          </a:xfrm>
+          <a:prstGeom prst="rect">
+            <a:avLst/>
+          </a:prstGeom>
+          <a:noFill/>
+          <a:ln>
+            <a:noFill/>
+          </a:ln>
+          <a:extLst>
+            <a:ext uri="{909E8E84-426E-40DD-AFC4-6F175D3DCCD1}">
+              <a14:hiddenFill xmlns:a14="http://schemas.microsoft.com/office/drawing/2010/main">
+                <a:solidFill>
+                  <a:srgbClr val="FFFFFF"/>
+                </a:solidFill>
+              </a14:hiddenFill>
+            </a:ext>
+            <a:ext uri="{91240B29-F687-4F45-9708-019B960494DF}">
+              <a14:hiddenLine xmlns:a14="http://schemas.microsoft.com/office/drawing/2010/main" w="9525">
+                <a:solidFill>
+                  <a:srgbClr val="000000"/>
+                </a:solidFill>
+                <a:miter lim="800000"/>
+                <a:headEnd/>
+                <a:tailEnd/>
+              </a14:hiddenLine>
+            </a:ext>
+          </a:extLst>
+        </p:spPr>
+      </p:pic>
+      <p:pic>
+        <p:nvPicPr>
+          <p:cNvPr id="23562" name="Afbeelding 25" descr="Schermopname"/>
+          <p:cNvPicPr>
+            <a:picLocks noChangeAspect="1"/>
+          </p:cNvPicPr>
+          <p:nvPr/>
+        </p:nvPicPr>
+        <p:blipFill>
+          <a:blip r:embed="rId3">
+            <a:extLst>
+              <a:ext uri="{28A0092B-C50C-407E-A947-70E740481C1C}">
+                <a14:useLocalDpi xmlns:a14="http://schemas.microsoft.com/office/drawing/2010/main" val="0"/>
+              </a:ext>
+            </a:extLst>
+          </a:blip>
+          <a:srcRect/>
+          <a:stretch>
+            <a:fillRect/>
+          </a:stretch>
+        </p:blipFill>
+        <p:spPr bwMode="auto">
+          <a:xfrm>
+            <a:off x="199818" y="3295728"/>
+            <a:ext cx="4754680" cy="1781175"/>
+          </a:xfrm>
+          <a:prstGeom prst="rect">
+            <a:avLst/>
+          </a:prstGeom>
+          <a:noFill/>
+          <a:ln>
+            <a:noFill/>
+          </a:ln>
+          <a:extLst>
+            <a:ext uri="{909E8E84-426E-40DD-AFC4-6F175D3DCCD1}">
+              <a14:hiddenFill xmlns:a14="http://schemas.microsoft.com/office/drawing/2010/main">
+                <a:solidFill>
+                  <a:srgbClr val="FFFFFF"/>
+                </a:solidFill>
+              </a14:hiddenFill>
+            </a:ext>
+            <a:ext uri="{91240B29-F687-4F45-9708-019B960494DF}">
+              <a14:hiddenLine xmlns:a14="http://schemas.microsoft.com/office/drawing/2010/main" w="9525">
+                <a:solidFill>
+                  <a:srgbClr val="000000"/>
+                </a:solidFill>
+                <a:miter lim="800000"/>
+                <a:headEnd/>
+                <a:tailEnd/>
+              </a14:hiddenLine>
+            </a:ext>
+          </a:extLst>
+        </p:spPr>
+      </p:pic>
       <p:sp>
         <p:nvSpPr>
           <p:cNvPr id="17" name="Tekstvak 23"/>
@@ -6212,60 +6320,6 @@
           </a:p>
         </p:txBody>
       </p:sp>
-      <p:pic>
-        <p:nvPicPr>
-          <p:cNvPr id="23562" name="Afbeelding 25" descr="Schermopname"/>
-          <p:cNvPicPr>
-            <a:picLocks noChangeAspect="1"/>
-          </p:cNvPicPr>
-          <p:nvPr/>
-        </p:nvPicPr>
-        <p:blipFill>
-          <a:blip r:embed="rId2">
-            <a:extLst>
-              <a:ext uri="{28A0092B-C50C-407E-A947-70E740481C1C}">
-                <a14:useLocalDpi xmlns:a14="http://schemas.microsoft.com/office/drawing/2010/main" val="0"/>
-              </a:ext>
-            </a:extLst>
-          </a:blip>
-          <a:srcRect/>
-          <a:stretch>
-            <a:fillRect/>
-          </a:stretch>
-        </p:blipFill>
-        <p:spPr bwMode="auto">
-          <a:xfrm>
-            <a:off x="199818" y="3295728"/>
-            <a:ext cx="4754680" cy="1781175"/>
-          </a:xfrm>
-          <a:prstGeom prst="rect">
-            <a:avLst/>
-          </a:prstGeom>
-          <a:noFill/>
-          <a:ln>
-            <a:noFill/>
-          </a:ln>
-          <a:extLst>
-            <a:ext uri="{909E8E84-426E-40DD-AFC4-6F175D3DCCD1}">
-              <a14:hiddenFill xmlns:a14="http://schemas.microsoft.com/office/drawing/2010/main">
-                <a:solidFill>
-                  <a:srgbClr val="FFFFFF"/>
-                </a:solidFill>
-              </a14:hiddenFill>
-            </a:ext>
-            <a:ext uri="{91240B29-F687-4F45-9708-019B960494DF}">
-              <a14:hiddenLine xmlns:a14="http://schemas.microsoft.com/office/drawing/2010/main" w="9525">
-                <a:solidFill>
-                  <a:srgbClr val="000000"/>
-                </a:solidFill>
-                <a:miter lim="800000"/>
-                <a:headEnd/>
-                <a:tailEnd/>
-              </a14:hiddenLine>
-            </a:ext>
-          </a:extLst>
-        </p:spPr>
-      </p:pic>
       <p:sp>
         <p:nvSpPr>
           <p:cNvPr id="23553" name="Titel 2"/>
@@ -6311,7 +6365,7 @@
           <p:nvPr/>
         </p:nvPicPr>
         <p:blipFill>
-          <a:blip r:embed="rId3">
+          <a:blip r:embed="rId4">
             <a:extLst>
               <a:ext uri="{28A0092B-C50C-407E-A947-70E740481C1C}">
                 <a14:useLocalDpi xmlns:a14="http://schemas.microsoft.com/office/drawing/2010/main" val="0"/>
@@ -6365,7 +6419,7 @@
           <p:nvPr/>
         </p:nvPicPr>
         <p:blipFill>
-          <a:blip r:embed="rId4">
+          <a:blip r:embed="rId5">
             <a:extLst>
               <a:ext uri="{28A0092B-C50C-407E-A947-70E740481C1C}">
                 <a14:useLocalDpi xmlns:a14="http://schemas.microsoft.com/office/drawing/2010/main" val="0"/>
@@ -7228,60 +7282,6 @@
           </a:p>
         </p:txBody>
       </p:sp>
-      <p:pic>
-        <p:nvPicPr>
-          <p:cNvPr id="23563" name="Afbeelding 30" descr="Schermopname"/>
-          <p:cNvPicPr>
-            <a:picLocks noChangeAspect="1"/>
-          </p:cNvPicPr>
-          <p:nvPr/>
-        </p:nvPicPr>
-        <p:blipFill>
-          <a:blip r:embed="rId5">
-            <a:extLst>
-              <a:ext uri="{28A0092B-C50C-407E-A947-70E740481C1C}">
-                <a14:useLocalDpi xmlns:a14="http://schemas.microsoft.com/office/drawing/2010/main" val="0"/>
-              </a:ext>
-            </a:extLst>
-          </a:blip>
-          <a:srcRect/>
-          <a:stretch>
-            <a:fillRect/>
-          </a:stretch>
-        </p:blipFill>
-        <p:spPr bwMode="auto">
-          <a:xfrm>
-            <a:off x="172773" y="5063510"/>
-            <a:ext cx="5907087" cy="1752600"/>
-          </a:xfrm>
-          <a:prstGeom prst="rect">
-            <a:avLst/>
-          </a:prstGeom>
-          <a:noFill/>
-          <a:ln>
-            <a:noFill/>
-          </a:ln>
-          <a:extLst>
-            <a:ext uri="{909E8E84-426E-40DD-AFC4-6F175D3DCCD1}">
-              <a14:hiddenFill xmlns:a14="http://schemas.microsoft.com/office/drawing/2010/main">
-                <a:solidFill>
-                  <a:srgbClr val="FFFFFF"/>
-                </a:solidFill>
-              </a14:hiddenFill>
-            </a:ext>
-            <a:ext uri="{91240B29-F687-4F45-9708-019B960494DF}">
-              <a14:hiddenLine xmlns:a14="http://schemas.microsoft.com/office/drawing/2010/main" w="9525">
-                <a:solidFill>
-                  <a:srgbClr val="000000"/>
-                </a:solidFill>
-                <a:miter lim="800000"/>
-                <a:headEnd/>
-                <a:tailEnd/>
-              </a14:hiddenLine>
-            </a:ext>
-          </a:extLst>
-        </p:spPr>
-      </p:pic>
       <p:sp>
         <p:nvSpPr>
           <p:cNvPr id="23564" name="Tekstvak 34"/>
@@ -8244,7 +8244,7 @@
         </p:nvSpPr>
         <p:spPr>
           <a:xfrm>
-            <a:off x="6067425" y="2713038"/>
+            <a:off x="6112581" y="2713038"/>
             <a:ext cx="1268413" cy="792162"/>
           </a:xfrm>
           <a:prstGeom prst="rect">
@@ -9058,7 +9058,7 @@
         </p:nvSpPr>
         <p:spPr>
           <a:xfrm>
-            <a:off x="6048375" y="1222375"/>
+            <a:off x="6093531" y="1222375"/>
             <a:ext cx="1266825" cy="792163"/>
           </a:xfrm>
           <a:prstGeom prst="rect">
@@ -9295,7 +9295,7 @@
         </p:nvSpPr>
         <p:spPr>
           <a:xfrm>
-            <a:off x="7554913" y="2713038"/>
+            <a:off x="7600069" y="2713038"/>
             <a:ext cx="1266825" cy="792162"/>
           </a:xfrm>
           <a:prstGeom prst="rect">
@@ -9344,7 +9344,7 @@
         </p:nvSpPr>
         <p:spPr>
           <a:xfrm>
-            <a:off x="7534275" y="1222375"/>
+            <a:off x="7579431" y="1222375"/>
             <a:ext cx="1266825" cy="792163"/>
           </a:xfrm>
           <a:prstGeom prst="rect">
@@ -9389,7 +9389,7 @@
         </p:nvSpPr>
         <p:spPr>
           <a:xfrm>
-            <a:off x="7554913" y="4254500"/>
+            <a:off x="7600069" y="4254500"/>
             <a:ext cx="1266825" cy="792163"/>
           </a:xfrm>
           <a:prstGeom prst="rect">
@@ -9438,7 +9438,7 @@
         </p:nvSpPr>
         <p:spPr>
           <a:xfrm>
-            <a:off x="7554913" y="5726113"/>
+            <a:off x="7600069" y="5726113"/>
             <a:ext cx="1266825" cy="792162"/>
           </a:xfrm>
           <a:prstGeom prst="rect">
@@ -9760,7 +9760,7 @@
         </p:nvCxnSpPr>
         <p:spPr>
           <a:xfrm>
-            <a:off x="8167688" y="5054600"/>
+            <a:off x="8212844" y="5054600"/>
             <a:ext cx="0" cy="679450"/>
           </a:xfrm>
           <a:prstGeom prst="straightConnector1">
@@ -9832,7 +9832,7 @@
         </p:nvCxnSpPr>
         <p:spPr>
           <a:xfrm>
-            <a:off x="8188325" y="3540125"/>
+            <a:off x="8233481" y="3540125"/>
             <a:ext cx="0" cy="679450"/>
           </a:xfrm>
           <a:prstGeom prst="straightConnector1">
@@ -9843,6 +9843,79 @@
               <a:srgbClr val="C00000"/>
             </a:solidFill>
             <a:tailEnd type="arrow"/>
+          </a:ln>
+        </p:spPr>
+        <p:style>
+          <a:lnRef idx="1">
+            <a:schemeClr val="accent1"/>
+          </a:lnRef>
+          <a:fillRef idx="0">
+            <a:schemeClr val="accent1"/>
+          </a:fillRef>
+          <a:effectRef idx="0">
+            <a:schemeClr val="accent1"/>
+          </a:effectRef>
+          <a:fontRef idx="minor">
+            <a:schemeClr val="tx1"/>
+          </a:fontRef>
+        </p:style>
+      </p:cxnSp>
+      <p:cxnSp>
+        <p:nvCxnSpPr>
+          <p:cNvPr id="34" name="Rechte verbindingslijn met pijl 33"/>
+          <p:cNvCxnSpPr/>
+          <p:nvPr/>
+        </p:nvCxnSpPr>
+        <p:spPr>
+          <a:xfrm flipV="1">
+            <a:off x="5882746" y="3089276"/>
+            <a:ext cx="241300" cy="1587"/>
+          </a:xfrm>
+          <a:prstGeom prst="straightConnector1">
+            <a:avLst/>
+          </a:prstGeom>
+          <a:ln w="19050">
+            <a:solidFill>
+              <a:srgbClr val="C00000"/>
+            </a:solidFill>
+            <a:tailEnd type="arrow"/>
+          </a:ln>
+        </p:spPr>
+        <p:style>
+          <a:lnRef idx="1">
+            <a:schemeClr val="accent1"/>
+          </a:lnRef>
+          <a:fillRef idx="0">
+            <a:schemeClr val="accent1"/>
+          </a:fillRef>
+          <a:effectRef idx="0">
+            <a:schemeClr val="accent1"/>
+          </a:effectRef>
+          <a:fontRef idx="minor">
+            <a:schemeClr val="tx1"/>
+          </a:fontRef>
+        </p:style>
+      </p:cxnSp>
+      <p:cxnSp>
+        <p:nvCxnSpPr>
+          <p:cNvPr id="35" name="Rechte verbindingslijn met pijl 34"/>
+          <p:cNvCxnSpPr/>
+          <p:nvPr/>
+        </p:nvCxnSpPr>
+        <p:spPr>
+          <a:xfrm flipH="1">
+            <a:off x="5239104" y="2032000"/>
+            <a:ext cx="1490662" cy="682625"/>
+          </a:xfrm>
+          <a:prstGeom prst="straightConnector1">
+            <a:avLst/>
+          </a:prstGeom>
+          <a:ln w="19050">
+            <a:solidFill>
+              <a:srgbClr val="C00000"/>
+            </a:solidFill>
+            <a:headEnd type="triangle"/>
+            <a:tailEnd type="triangle"/>
           </a:ln>
         </p:spPr>
         <p:style>
